--- a/week2進度報告.pptx
+++ b/week2進度報告.pptx
@@ -270,7 +270,7 @@
           <a:p>
             <a:fld id="{B28AABCA-3EF2-4316-A591-5150F8AE44F4}" type="datetimeFigureOut">
               <a:rPr lang="zh-TW" altLang="en-US" smtClean="0"/>
-              <a:t>2023/9/24</a:t>
+              <a:t>2023/9/25</a:t>
             </a:fld>
             <a:endParaRPr lang="zh-TW" altLang="en-US"/>
           </a:p>
@@ -468,7 +468,7 @@
           <a:p>
             <a:fld id="{B28AABCA-3EF2-4316-A591-5150F8AE44F4}" type="datetimeFigureOut">
               <a:rPr lang="zh-TW" altLang="en-US" smtClean="0"/>
-              <a:t>2023/9/24</a:t>
+              <a:t>2023/9/25</a:t>
             </a:fld>
             <a:endParaRPr lang="zh-TW" altLang="en-US"/>
           </a:p>
@@ -676,7 +676,7 @@
           <a:p>
             <a:fld id="{B28AABCA-3EF2-4316-A591-5150F8AE44F4}" type="datetimeFigureOut">
               <a:rPr lang="zh-TW" altLang="en-US" smtClean="0"/>
-              <a:t>2023/9/24</a:t>
+              <a:t>2023/9/25</a:t>
             </a:fld>
             <a:endParaRPr lang="zh-TW" altLang="en-US"/>
           </a:p>
@@ -874,7 +874,7 @@
           <a:p>
             <a:fld id="{B28AABCA-3EF2-4316-A591-5150F8AE44F4}" type="datetimeFigureOut">
               <a:rPr lang="zh-TW" altLang="en-US" smtClean="0"/>
-              <a:t>2023/9/24</a:t>
+              <a:t>2023/9/25</a:t>
             </a:fld>
             <a:endParaRPr lang="zh-TW" altLang="en-US"/>
           </a:p>
@@ -1149,7 +1149,7 @@
           <a:p>
             <a:fld id="{B28AABCA-3EF2-4316-A591-5150F8AE44F4}" type="datetimeFigureOut">
               <a:rPr lang="zh-TW" altLang="en-US" smtClean="0"/>
-              <a:t>2023/9/24</a:t>
+              <a:t>2023/9/25</a:t>
             </a:fld>
             <a:endParaRPr lang="zh-TW" altLang="en-US"/>
           </a:p>
@@ -1414,7 +1414,7 @@
           <a:p>
             <a:fld id="{B28AABCA-3EF2-4316-A591-5150F8AE44F4}" type="datetimeFigureOut">
               <a:rPr lang="zh-TW" altLang="en-US" smtClean="0"/>
-              <a:t>2023/9/24</a:t>
+              <a:t>2023/9/25</a:t>
             </a:fld>
             <a:endParaRPr lang="zh-TW" altLang="en-US"/>
           </a:p>
@@ -1826,7 +1826,7 @@
           <a:p>
             <a:fld id="{B28AABCA-3EF2-4316-A591-5150F8AE44F4}" type="datetimeFigureOut">
               <a:rPr lang="zh-TW" altLang="en-US" smtClean="0"/>
-              <a:t>2023/9/24</a:t>
+              <a:t>2023/9/25</a:t>
             </a:fld>
             <a:endParaRPr lang="zh-TW" altLang="en-US"/>
           </a:p>
@@ -1967,7 +1967,7 @@
           <a:p>
             <a:fld id="{B28AABCA-3EF2-4316-A591-5150F8AE44F4}" type="datetimeFigureOut">
               <a:rPr lang="zh-TW" altLang="en-US" smtClean="0"/>
-              <a:t>2023/9/24</a:t>
+              <a:t>2023/9/25</a:t>
             </a:fld>
             <a:endParaRPr lang="zh-TW" altLang="en-US"/>
           </a:p>
@@ -2080,7 +2080,7 @@
           <a:p>
             <a:fld id="{B28AABCA-3EF2-4316-A591-5150F8AE44F4}" type="datetimeFigureOut">
               <a:rPr lang="zh-TW" altLang="en-US" smtClean="0"/>
-              <a:t>2023/9/24</a:t>
+              <a:t>2023/9/25</a:t>
             </a:fld>
             <a:endParaRPr lang="zh-TW" altLang="en-US"/>
           </a:p>
@@ -2391,7 +2391,7 @@
           <a:p>
             <a:fld id="{B28AABCA-3EF2-4316-A591-5150F8AE44F4}" type="datetimeFigureOut">
               <a:rPr lang="zh-TW" altLang="en-US" smtClean="0"/>
-              <a:t>2023/9/24</a:t>
+              <a:t>2023/9/25</a:t>
             </a:fld>
             <a:endParaRPr lang="zh-TW" altLang="en-US"/>
           </a:p>
@@ -2679,7 +2679,7 @@
           <a:p>
             <a:fld id="{B28AABCA-3EF2-4316-A591-5150F8AE44F4}" type="datetimeFigureOut">
               <a:rPr lang="zh-TW" altLang="en-US" smtClean="0"/>
-              <a:t>2023/9/24</a:t>
+              <a:t>2023/9/25</a:t>
             </a:fld>
             <a:endParaRPr lang="zh-TW" altLang="en-US"/>
           </a:p>
@@ -2920,7 +2920,7 @@
           <a:p>
             <a:fld id="{B28AABCA-3EF2-4316-A591-5150F8AE44F4}" type="datetimeFigureOut">
               <a:rPr lang="zh-TW" altLang="en-US" smtClean="0"/>
-              <a:t>2023/9/24</a:t>
+              <a:t>2023/9/25</a:t>
             </a:fld>
             <a:endParaRPr lang="zh-TW" altLang="en-US"/>
           </a:p>
@@ -3366,18 +3366,18 @@
           <a:lstStyle/>
           <a:p>
             <a:r>
-              <a:rPr lang="en-US" altLang="zh-TW" dirty="0">
+              <a:rPr lang="en-US" altLang="zh-TW">
                 <a:latin typeface="標楷體" panose="03000509000000000000" pitchFamily="65" charset="-120"/>
                 <a:ea typeface="標楷體" panose="03000509000000000000" pitchFamily="65" charset="-120"/>
               </a:rPr>
               <a:t>Week2</a:t>
             </a:r>
             <a:r>
-              <a:rPr lang="zh-TW" altLang="en-US" dirty="0">
-                <a:latin typeface="標楷體" panose="03000509000000000000" pitchFamily="65" charset="-120"/>
-                <a:ea typeface="標楷體" panose="03000509000000000000" pitchFamily="65" charset="-120"/>
-              </a:rPr>
-              <a:t> 週報</a:t>
+              <a:rPr lang="zh-TW" altLang="en-US">
+                <a:latin typeface="標楷體" panose="03000509000000000000" pitchFamily="65" charset="-120"/>
+                <a:ea typeface="標楷體" panose="03000509000000000000" pitchFamily="65" charset="-120"/>
+              </a:rPr>
+              <a:t>週報</a:t>
             </a:r>
             <a:br>
               <a:rPr lang="en-US" altLang="zh-TW" dirty="0">

--- a/week2進度報告.pptx
+++ b/week2進度報告.pptx
@@ -3366,7 +3366,7 @@
           <a:lstStyle/>
           <a:p>
             <a:r>
-              <a:rPr lang="en-US" altLang="zh-TW">
+              <a:rPr lang="en-US" altLang="zh-TW" dirty="0">
                 <a:latin typeface="標楷體" panose="03000509000000000000" pitchFamily="65" charset="-120"/>
                 <a:ea typeface="標楷體" panose="03000509000000000000" pitchFamily="65" charset="-120"/>
               </a:rPr>
@@ -3377,7 +3377,7 @@
                 <a:latin typeface="標楷體" panose="03000509000000000000" pitchFamily="65" charset="-120"/>
                 <a:ea typeface="標楷體" panose="03000509000000000000" pitchFamily="65" charset="-120"/>
               </a:rPr>
-              <a:t>週報</a:t>
+              <a:t> 週報</a:t>
             </a:r>
             <a:br>
               <a:rPr lang="en-US" altLang="zh-TW" dirty="0">

--- a/week2進度報告.pptx
+++ b/week2進度報告.pptx
@@ -4728,6 +4728,147 @@
           </a:p>
         </p:txBody>
       </p:sp>
+      <p:pic>
+        <p:nvPicPr>
+          <p:cNvPr id="5" name="圖片 4">
+            <a:extLst>
+              <a:ext uri="{FF2B5EF4-FFF2-40B4-BE49-F238E27FC236}">
+                <a16:creationId xmlns:a16="http://schemas.microsoft.com/office/drawing/2014/main" id="{DC0CB705-D0B8-1093-BAA0-C4309830840A}"/>
+              </a:ext>
+            </a:extLst>
+          </p:cNvPr>
+          <p:cNvPicPr>
+            <a:picLocks noChangeAspect="1"/>
+          </p:cNvPicPr>
+          <p:nvPr/>
+        </p:nvPicPr>
+        <p:blipFill>
+          <a:blip r:embed="rId2"/>
+          <a:stretch>
+            <a:fillRect/>
+          </a:stretch>
+        </p:blipFill>
+        <p:spPr>
+          <a:xfrm>
+            <a:off x="1076753" y="2180224"/>
+            <a:ext cx="3212004" cy="3079674"/>
+          </a:xfrm>
+          <a:prstGeom prst="rect">
+            <a:avLst/>
+          </a:prstGeom>
+        </p:spPr>
+      </p:pic>
+      <p:pic>
+        <p:nvPicPr>
+          <p:cNvPr id="7" name="圖片 6">
+            <a:extLst>
+              <a:ext uri="{FF2B5EF4-FFF2-40B4-BE49-F238E27FC236}">
+                <a16:creationId xmlns:a16="http://schemas.microsoft.com/office/drawing/2014/main" id="{7986476A-33F0-53A2-BDCC-323D6F7BDA96}"/>
+              </a:ext>
+            </a:extLst>
+          </p:cNvPr>
+          <p:cNvPicPr>
+            <a:picLocks noChangeAspect="1"/>
+          </p:cNvPicPr>
+          <p:nvPr/>
+        </p:nvPicPr>
+        <p:blipFill>
+          <a:blip r:embed="rId3"/>
+          <a:stretch>
+            <a:fillRect/>
+          </a:stretch>
+        </p:blipFill>
+        <p:spPr>
+          <a:xfrm>
+            <a:off x="4403701" y="2180224"/>
+            <a:ext cx="3230200" cy="3079674"/>
+          </a:xfrm>
+          <a:prstGeom prst="rect">
+            <a:avLst/>
+          </a:prstGeom>
+        </p:spPr>
+      </p:pic>
+      <p:pic>
+        <p:nvPicPr>
+          <p:cNvPr id="9" name="圖片 8">
+            <a:extLst>
+              <a:ext uri="{FF2B5EF4-FFF2-40B4-BE49-F238E27FC236}">
+                <a16:creationId xmlns:a16="http://schemas.microsoft.com/office/drawing/2014/main" id="{B06D02DC-E145-9C73-348A-3AE8E5E9B78B}"/>
+              </a:ext>
+            </a:extLst>
+          </p:cNvPr>
+          <p:cNvPicPr>
+            <a:picLocks noChangeAspect="1"/>
+          </p:cNvPicPr>
+          <p:nvPr/>
+        </p:nvPicPr>
+        <p:blipFill>
+          <a:blip r:embed="rId4"/>
+          <a:stretch>
+            <a:fillRect/>
+          </a:stretch>
+        </p:blipFill>
+        <p:spPr>
+          <a:xfrm>
+            <a:off x="7813345" y="2127840"/>
+            <a:ext cx="3230201" cy="3132068"/>
+          </a:xfrm>
+          <a:prstGeom prst="rect">
+            <a:avLst/>
+          </a:prstGeom>
+        </p:spPr>
+      </p:pic>
+      <p:sp>
+        <p:nvSpPr>
+          <p:cNvPr id="10" name="文字方塊 9">
+            <a:extLst>
+              <a:ext uri="{FF2B5EF4-FFF2-40B4-BE49-F238E27FC236}">
+                <a16:creationId xmlns:a16="http://schemas.microsoft.com/office/drawing/2014/main" id="{5585725B-33B0-7CBE-BB9C-23A29F82A2B2}"/>
+              </a:ext>
+            </a:extLst>
+          </p:cNvPr>
+          <p:cNvSpPr txBox="1"/>
+          <p:nvPr/>
+        </p:nvSpPr>
+        <p:spPr>
+          <a:xfrm>
+            <a:off x="3071125" y="5426268"/>
+            <a:ext cx="6417141" cy="646331"/>
+          </a:xfrm>
+          <a:prstGeom prst="rect">
+            <a:avLst/>
+          </a:prstGeom>
+          <a:noFill/>
+        </p:spPr>
+        <p:txBody>
+          <a:bodyPr wrap="none" rtlCol="0">
+            <a:spAutoFit/>
+          </a:bodyPr>
+          <a:lstStyle/>
+          <a:p>
+            <a:r>
+              <a:rPr lang="zh-TW" altLang="en-US" dirty="0">
+                <a:latin typeface="標楷體" panose="03000509000000000000" pitchFamily="65" charset="-120"/>
+                <a:ea typeface="標楷體" panose="03000509000000000000" pitchFamily="65" charset="-120"/>
+              </a:rPr>
+              <a:t>矯正的準確率尚可接受，並不會有過於偏離正確的圖片產生，</a:t>
+            </a:r>
+            <a:endParaRPr lang="en-US" altLang="zh-TW" dirty="0">
+              <a:latin typeface="標楷體" panose="03000509000000000000" pitchFamily="65" charset="-120"/>
+              <a:ea typeface="標楷體" panose="03000509000000000000" pitchFamily="65" charset="-120"/>
+            </a:endParaRPr>
+          </a:p>
+          <a:p>
+            <a:r>
+              <a:rPr lang="zh-TW" altLang="en-US" dirty="0">
+                <a:latin typeface="標楷體" panose="03000509000000000000" pitchFamily="65" charset="-120"/>
+                <a:ea typeface="標楷體" panose="03000509000000000000" pitchFamily="65" charset="-120"/>
+              </a:rPr>
+              <a:t>甚至有時候我還覺得他矯正的比我預設的合理多了</a:t>
+            </a:r>
+          </a:p>
+        </p:txBody>
+      </p:sp>
     </p:spTree>
     <p:extLst>
       <p:ext uri="{BB962C8B-B14F-4D97-AF65-F5344CB8AC3E}">
@@ -4842,6 +4983,492 @@
           </a:p>
         </p:txBody>
       </p:sp>
+      <p:sp>
+        <p:nvSpPr>
+          <p:cNvPr id="4" name="文字方塊 3">
+            <a:extLst>
+              <a:ext uri="{FF2B5EF4-FFF2-40B4-BE49-F238E27FC236}">
+                <a16:creationId xmlns:a16="http://schemas.microsoft.com/office/drawing/2014/main" id="{2F899C11-26D8-5FE1-3252-008CD865C229}"/>
+              </a:ext>
+            </a:extLst>
+          </p:cNvPr>
+          <p:cNvSpPr txBox="1"/>
+          <p:nvPr/>
+        </p:nvSpPr>
+        <p:spPr>
+          <a:xfrm>
+            <a:off x="1452785" y="3244334"/>
+            <a:ext cx="1223412" cy="369332"/>
+          </a:xfrm>
+          <a:prstGeom prst="rect">
+            <a:avLst/>
+          </a:prstGeom>
+          <a:noFill/>
+        </p:spPr>
+        <p:txBody>
+          <a:bodyPr wrap="none" rtlCol="0">
+            <a:spAutoFit/>
+          </a:bodyPr>
+          <a:lstStyle/>
+          <a:p>
+            <a:r>
+              <a:rPr lang="en-US" altLang="zh-TW" dirty="0">
+                <a:latin typeface="標楷體" panose="03000509000000000000" pitchFamily="65" charset="-120"/>
+                <a:ea typeface="標楷體" panose="03000509000000000000" pitchFamily="65" charset="-120"/>
+              </a:rPr>
+              <a:t>Input</a:t>
+            </a:r>
+            <a:r>
+              <a:rPr lang="zh-TW" altLang="en-US" dirty="0">
+                <a:latin typeface="標楷體" panose="03000509000000000000" pitchFamily="65" charset="-120"/>
+                <a:ea typeface="標楷體" panose="03000509000000000000" pitchFamily="65" charset="-120"/>
+              </a:rPr>
+              <a:t>影片</a:t>
+            </a:r>
+          </a:p>
+        </p:txBody>
+      </p:sp>
+      <p:sp>
+        <p:nvSpPr>
+          <p:cNvPr id="5" name="文字方塊 4">
+            <a:extLst>
+              <a:ext uri="{FF2B5EF4-FFF2-40B4-BE49-F238E27FC236}">
+                <a16:creationId xmlns:a16="http://schemas.microsoft.com/office/drawing/2014/main" id="{46758E5B-8FD9-CFA5-AA5A-32564D411EF9}"/>
+              </a:ext>
+            </a:extLst>
+          </p:cNvPr>
+          <p:cNvSpPr txBox="1"/>
+          <p:nvPr/>
+        </p:nvSpPr>
+        <p:spPr>
+          <a:xfrm>
+            <a:off x="3106051" y="3244334"/>
+            <a:ext cx="2081019" cy="369332"/>
+          </a:xfrm>
+          <a:prstGeom prst="rect">
+            <a:avLst/>
+          </a:prstGeom>
+          <a:noFill/>
+        </p:spPr>
+        <p:txBody>
+          <a:bodyPr wrap="none" rtlCol="0">
+            <a:spAutoFit/>
+          </a:bodyPr>
+          <a:lstStyle/>
+          <a:p>
+            <a:r>
+              <a:rPr lang="zh-TW" altLang="en-US" dirty="0">
+                <a:latin typeface="標楷體" panose="03000509000000000000" pitchFamily="65" charset="-120"/>
+                <a:ea typeface="標楷體" panose="03000509000000000000" pitchFamily="65" charset="-120"/>
+              </a:rPr>
+              <a:t>經由</a:t>
+            </a:r>
+            <a:r>
+              <a:rPr lang="en-US" altLang="zh-TW" dirty="0">
+                <a:latin typeface="標楷體" panose="03000509000000000000" pitchFamily="65" charset="-120"/>
+                <a:ea typeface="標楷體" panose="03000509000000000000" pitchFamily="65" charset="-120"/>
+              </a:rPr>
+              <a:t>LSTM</a:t>
+            </a:r>
+            <a:r>
+              <a:rPr lang="zh-TW" altLang="en-US" dirty="0">
+                <a:latin typeface="標楷體" panose="03000509000000000000" pitchFamily="65" charset="-120"/>
+                <a:ea typeface="標楷體" panose="03000509000000000000" pitchFamily="65" charset="-120"/>
+              </a:rPr>
+              <a:t>判別動作</a:t>
+            </a:r>
+          </a:p>
+        </p:txBody>
+      </p:sp>
+      <p:sp>
+        <p:nvSpPr>
+          <p:cNvPr id="6" name="文字方塊 5">
+            <a:extLst>
+              <a:ext uri="{FF2B5EF4-FFF2-40B4-BE49-F238E27FC236}">
+                <a16:creationId xmlns:a16="http://schemas.microsoft.com/office/drawing/2014/main" id="{16052644-0A7B-5E1C-B8E7-21B1DEA5D727}"/>
+              </a:ext>
+            </a:extLst>
+          </p:cNvPr>
+          <p:cNvSpPr txBox="1"/>
+          <p:nvPr/>
+        </p:nvSpPr>
+        <p:spPr>
+          <a:xfrm>
+            <a:off x="5616924" y="3244334"/>
+            <a:ext cx="2031325" cy="369332"/>
+          </a:xfrm>
+          <a:prstGeom prst="rect">
+            <a:avLst/>
+          </a:prstGeom>
+          <a:noFill/>
+        </p:spPr>
+        <p:txBody>
+          <a:bodyPr wrap="none" rtlCol="0">
+            <a:spAutoFit/>
+          </a:bodyPr>
+          <a:lstStyle/>
+          <a:p>
+            <a:r>
+              <a:rPr lang="zh-TW" altLang="en-US" dirty="0">
+                <a:latin typeface="標楷體" panose="03000509000000000000" pitchFamily="65" charset="-120"/>
+                <a:ea typeface="標楷體" panose="03000509000000000000" pitchFamily="65" charset="-120"/>
+              </a:rPr>
+              <a:t>如有誤則逐幀截圖</a:t>
+            </a:r>
+          </a:p>
+        </p:txBody>
+      </p:sp>
+      <p:sp>
+        <p:nvSpPr>
+          <p:cNvPr id="7" name="文字方塊 6">
+            <a:extLst>
+              <a:ext uri="{FF2B5EF4-FFF2-40B4-BE49-F238E27FC236}">
+                <a16:creationId xmlns:a16="http://schemas.microsoft.com/office/drawing/2014/main" id="{A2F21945-234F-1E18-6610-5CE8D0B8E2A5}"/>
+              </a:ext>
+            </a:extLst>
+          </p:cNvPr>
+          <p:cNvSpPr txBox="1"/>
+          <p:nvPr/>
+        </p:nvSpPr>
+        <p:spPr>
+          <a:xfrm>
+            <a:off x="8078103" y="3246470"/>
+            <a:ext cx="3070071" cy="369332"/>
+          </a:xfrm>
+          <a:prstGeom prst="rect">
+            <a:avLst/>
+          </a:prstGeom>
+          <a:noFill/>
+        </p:spPr>
+        <p:txBody>
+          <a:bodyPr wrap="none" rtlCol="0">
+            <a:spAutoFit/>
+          </a:bodyPr>
+          <a:lstStyle/>
+          <a:p>
+            <a:r>
+              <a:rPr lang="zh-TW" altLang="en-US" dirty="0">
+                <a:latin typeface="標楷體" panose="03000509000000000000" pitchFamily="65" charset="-120"/>
+                <a:ea typeface="標楷體" panose="03000509000000000000" pitchFamily="65" charset="-120"/>
+              </a:rPr>
+              <a:t>經由</a:t>
+            </a:r>
+            <a:r>
+              <a:rPr lang="en-US" altLang="zh-TW" dirty="0">
+                <a:latin typeface="標楷體" panose="03000509000000000000" pitchFamily="65" charset="-120"/>
+                <a:ea typeface="標楷體" panose="03000509000000000000" pitchFamily="65" charset="-120"/>
+              </a:rPr>
+              <a:t>pix2pix</a:t>
+            </a:r>
+            <a:r>
+              <a:rPr lang="zh-TW" altLang="en-US" dirty="0">
+                <a:latin typeface="標楷體" panose="03000509000000000000" pitchFamily="65" charset="-120"/>
+                <a:ea typeface="標楷體" panose="03000509000000000000" pitchFamily="65" charset="-120"/>
+              </a:rPr>
+              <a:t>矯正並生成圖片</a:t>
+            </a:r>
+          </a:p>
+        </p:txBody>
+      </p:sp>
+      <p:cxnSp>
+        <p:nvCxnSpPr>
+          <p:cNvPr id="9" name="直線單箭頭接點 8">
+            <a:extLst>
+              <a:ext uri="{FF2B5EF4-FFF2-40B4-BE49-F238E27FC236}">
+                <a16:creationId xmlns:a16="http://schemas.microsoft.com/office/drawing/2014/main" id="{B0618364-C8D1-D336-0E55-3FA28A94BEEC}"/>
+              </a:ext>
+            </a:extLst>
+          </p:cNvPr>
+          <p:cNvCxnSpPr>
+            <a:stCxn id="4" idx="3"/>
+            <a:endCxn id="5" idx="1"/>
+          </p:cNvCxnSpPr>
+          <p:nvPr/>
+        </p:nvCxnSpPr>
+        <p:spPr>
+          <a:xfrm>
+            <a:off x="2676197" y="3429000"/>
+            <a:ext cx="429854" cy="0"/>
+          </a:xfrm>
+          <a:prstGeom prst="straightConnector1">
+            <a:avLst/>
+          </a:prstGeom>
+          <a:ln>
+            <a:solidFill>
+              <a:srgbClr val="FF0000"/>
+            </a:solidFill>
+            <a:tailEnd type="triangle"/>
+          </a:ln>
+        </p:spPr>
+        <p:style>
+          <a:lnRef idx="1">
+            <a:schemeClr val="accent1"/>
+          </a:lnRef>
+          <a:fillRef idx="0">
+            <a:schemeClr val="accent1"/>
+          </a:fillRef>
+          <a:effectRef idx="0">
+            <a:schemeClr val="accent1"/>
+          </a:effectRef>
+          <a:fontRef idx="minor">
+            <a:schemeClr val="tx1"/>
+          </a:fontRef>
+        </p:style>
+      </p:cxnSp>
+      <p:cxnSp>
+        <p:nvCxnSpPr>
+          <p:cNvPr id="10" name="直線單箭頭接點 9">
+            <a:extLst>
+              <a:ext uri="{FF2B5EF4-FFF2-40B4-BE49-F238E27FC236}">
+                <a16:creationId xmlns:a16="http://schemas.microsoft.com/office/drawing/2014/main" id="{03AE9FC2-2E00-4D06-3EED-092D538B790C}"/>
+              </a:ext>
+            </a:extLst>
+          </p:cNvPr>
+          <p:cNvCxnSpPr/>
+          <p:nvPr/>
+        </p:nvCxnSpPr>
+        <p:spPr>
+          <a:xfrm>
+            <a:off x="5187070" y="3446804"/>
+            <a:ext cx="429854" cy="0"/>
+          </a:xfrm>
+          <a:prstGeom prst="straightConnector1">
+            <a:avLst/>
+          </a:prstGeom>
+          <a:ln>
+            <a:solidFill>
+              <a:srgbClr val="FF0000"/>
+            </a:solidFill>
+            <a:tailEnd type="triangle"/>
+          </a:ln>
+        </p:spPr>
+        <p:style>
+          <a:lnRef idx="1">
+            <a:schemeClr val="accent1"/>
+          </a:lnRef>
+          <a:fillRef idx="0">
+            <a:schemeClr val="accent1"/>
+          </a:fillRef>
+          <a:effectRef idx="0">
+            <a:schemeClr val="accent1"/>
+          </a:effectRef>
+          <a:fontRef idx="minor">
+            <a:schemeClr val="tx1"/>
+          </a:fontRef>
+        </p:style>
+      </p:cxnSp>
+      <p:cxnSp>
+        <p:nvCxnSpPr>
+          <p:cNvPr id="11" name="直線單箭頭接點 10">
+            <a:extLst>
+              <a:ext uri="{FF2B5EF4-FFF2-40B4-BE49-F238E27FC236}">
+                <a16:creationId xmlns:a16="http://schemas.microsoft.com/office/drawing/2014/main" id="{8A82DFE0-927D-5C5C-2B81-ED77C1A13F40}"/>
+              </a:ext>
+            </a:extLst>
+          </p:cNvPr>
+          <p:cNvCxnSpPr/>
+          <p:nvPr/>
+        </p:nvCxnSpPr>
+        <p:spPr>
+          <a:xfrm>
+            <a:off x="7648249" y="3446804"/>
+            <a:ext cx="429854" cy="0"/>
+          </a:xfrm>
+          <a:prstGeom prst="straightConnector1">
+            <a:avLst/>
+          </a:prstGeom>
+          <a:ln>
+            <a:solidFill>
+              <a:srgbClr val="FF0000"/>
+            </a:solidFill>
+            <a:tailEnd type="triangle"/>
+          </a:ln>
+        </p:spPr>
+        <p:style>
+          <a:lnRef idx="1">
+            <a:schemeClr val="accent1"/>
+          </a:lnRef>
+          <a:fillRef idx="0">
+            <a:schemeClr val="accent1"/>
+          </a:fillRef>
+          <a:effectRef idx="0">
+            <a:schemeClr val="accent1"/>
+          </a:effectRef>
+          <a:fontRef idx="minor">
+            <a:schemeClr val="tx1"/>
+          </a:fontRef>
+        </p:style>
+      </p:cxnSp>
+      <p:pic>
+        <p:nvPicPr>
+          <p:cNvPr id="15" name="圖片 14">
+            <a:extLst>
+              <a:ext uri="{FF2B5EF4-FFF2-40B4-BE49-F238E27FC236}">
+                <a16:creationId xmlns:a16="http://schemas.microsoft.com/office/drawing/2014/main" id="{DC874E46-4A85-6D20-51C3-15691CD41815}"/>
+              </a:ext>
+            </a:extLst>
+          </p:cNvPr>
+          <p:cNvPicPr>
+            <a:picLocks noChangeAspect="1"/>
+          </p:cNvPicPr>
+          <p:nvPr/>
+        </p:nvPicPr>
+        <p:blipFill>
+          <a:blip r:embed="rId2"/>
+          <a:stretch>
+            <a:fillRect/>
+          </a:stretch>
+        </p:blipFill>
+        <p:spPr>
+          <a:xfrm>
+            <a:off x="1218122" y="4085725"/>
+            <a:ext cx="1692738" cy="2557915"/>
+          </a:xfrm>
+          <a:prstGeom prst="rect">
+            <a:avLst/>
+          </a:prstGeom>
+        </p:spPr>
+      </p:pic>
+      <p:pic>
+        <p:nvPicPr>
+          <p:cNvPr id="17" name="圖片 16">
+            <a:extLst>
+              <a:ext uri="{FF2B5EF4-FFF2-40B4-BE49-F238E27FC236}">
+                <a16:creationId xmlns:a16="http://schemas.microsoft.com/office/drawing/2014/main" id="{1A69DD8C-6682-B405-C7D6-DF1CF2D81C9B}"/>
+              </a:ext>
+            </a:extLst>
+          </p:cNvPr>
+          <p:cNvPicPr>
+            <a:picLocks noChangeAspect="1"/>
+          </p:cNvPicPr>
+          <p:nvPr/>
+        </p:nvPicPr>
+        <p:blipFill>
+          <a:blip r:embed="rId3"/>
+          <a:stretch>
+            <a:fillRect/>
+          </a:stretch>
+        </p:blipFill>
+        <p:spPr>
+          <a:xfrm>
+            <a:off x="3290782" y="4068338"/>
+            <a:ext cx="1941958" cy="2592687"/>
+          </a:xfrm>
+          <a:prstGeom prst="rect">
+            <a:avLst/>
+          </a:prstGeom>
+        </p:spPr>
+      </p:pic>
+      <p:sp>
+        <p:nvSpPr>
+          <p:cNvPr id="18" name="文字方塊 17">
+            <a:extLst>
+              <a:ext uri="{FF2B5EF4-FFF2-40B4-BE49-F238E27FC236}">
+                <a16:creationId xmlns:a16="http://schemas.microsoft.com/office/drawing/2014/main" id="{04217B5D-3671-C65D-E933-71CEF4F30EDC}"/>
+              </a:ext>
+            </a:extLst>
+          </p:cNvPr>
+          <p:cNvSpPr txBox="1"/>
+          <p:nvPr/>
+        </p:nvSpPr>
+        <p:spPr>
+          <a:xfrm>
+            <a:off x="3573645" y="3671031"/>
+            <a:ext cx="1338828" cy="369332"/>
+          </a:xfrm>
+          <a:prstGeom prst="rect">
+            <a:avLst/>
+          </a:prstGeom>
+          <a:noFill/>
+        </p:spPr>
+        <p:txBody>
+          <a:bodyPr wrap="none" rtlCol="0">
+            <a:spAutoFit/>
+          </a:bodyPr>
+          <a:lstStyle/>
+          <a:p>
+            <a:r>
+              <a:rPr lang="zh-TW" altLang="en-US" dirty="0">
+                <a:latin typeface="標楷體" panose="03000509000000000000" pitchFamily="65" charset="-120"/>
+                <a:ea typeface="標楷體" panose="03000509000000000000" pitchFamily="65" charset="-120"/>
+              </a:rPr>
+              <a:t>過寬、過窄</a:t>
+            </a:r>
+          </a:p>
+        </p:txBody>
+      </p:sp>
+      <p:pic>
+        <p:nvPicPr>
+          <p:cNvPr id="22" name="圖片 21">
+            <a:extLst>
+              <a:ext uri="{FF2B5EF4-FFF2-40B4-BE49-F238E27FC236}">
+                <a16:creationId xmlns:a16="http://schemas.microsoft.com/office/drawing/2014/main" id="{BE0DBFE7-0AFA-635F-7C88-EF87C4F79246}"/>
+              </a:ext>
+            </a:extLst>
+          </p:cNvPr>
+          <p:cNvPicPr>
+            <a:picLocks noChangeAspect="1"/>
+          </p:cNvPicPr>
+          <p:nvPr/>
+        </p:nvPicPr>
+        <p:blipFill>
+          <a:blip r:embed="rId4">
+            <a:extLst>
+              <a:ext uri="{28A0092B-C50C-407E-A947-70E740481C1C}">
+                <a14:useLocalDpi xmlns:a14="http://schemas.microsoft.com/office/drawing/2010/main" val="0"/>
+              </a:ext>
+            </a:extLst>
+          </a:blip>
+          <a:stretch>
+            <a:fillRect/>
+          </a:stretch>
+        </p:blipFill>
+        <p:spPr>
+          <a:xfrm>
+            <a:off x="5872213" y="3961700"/>
+            <a:ext cx="1520746" cy="2699325"/>
+          </a:xfrm>
+          <a:prstGeom prst="rect">
+            <a:avLst/>
+          </a:prstGeom>
+        </p:spPr>
+      </p:pic>
+      <p:pic>
+        <p:nvPicPr>
+          <p:cNvPr id="24" name="圖片 23">
+            <a:extLst>
+              <a:ext uri="{FF2B5EF4-FFF2-40B4-BE49-F238E27FC236}">
+                <a16:creationId xmlns:a16="http://schemas.microsoft.com/office/drawing/2014/main" id="{3570EBD6-9F9B-B245-6637-437F2719BFB6}"/>
+              </a:ext>
+            </a:extLst>
+          </p:cNvPr>
+          <p:cNvPicPr>
+            <a:picLocks noChangeAspect="1"/>
+          </p:cNvPicPr>
+          <p:nvPr/>
+        </p:nvPicPr>
+        <p:blipFill>
+          <a:blip r:embed="rId5">
+            <a:extLst>
+              <a:ext uri="{28A0092B-C50C-407E-A947-70E740481C1C}">
+                <a14:useLocalDpi xmlns:a14="http://schemas.microsoft.com/office/drawing/2010/main" val="0"/>
+              </a:ext>
+            </a:extLst>
+          </a:blip>
+          <a:stretch>
+            <a:fillRect/>
+          </a:stretch>
+        </p:blipFill>
+        <p:spPr>
+          <a:xfrm>
+            <a:off x="8832215" y="3925224"/>
+            <a:ext cx="1561845" cy="2772275"/>
+          </a:xfrm>
+          <a:prstGeom prst="rect">
+            <a:avLst/>
+          </a:prstGeom>
+        </p:spPr>
+      </p:pic>
     </p:spTree>
     <p:extLst>
       <p:ext uri="{BB962C8B-B14F-4D97-AF65-F5344CB8AC3E}">
